--- a/AC-DC Testing.pptx
+++ b/AC-DC Testing.pptx
@@ -19,6 +19,9 @@
     <p:sldId id="267" r:id="rId13"/>
     <p:sldId id="268" r:id="rId14"/>
     <p:sldId id="269" r:id="rId15"/>
+    <p:sldId id="270" r:id="rId16"/>
+    <p:sldId id="271" r:id="rId17"/>
+    <p:sldId id="272" r:id="rId18"/>
   </p:sldIdLst>
   <p:sldSz cx="12192000" cy="6858000"/>
   <p:notesSz cx="6858000" cy="9144000"/>
@@ -117,6 +120,11 @@
       </a:defRPr>
     </a:lvl9pPr>
   </p:defaultTextStyle>
+  <p:extLst>
+    <p:ext uri="{EFAFB233-063F-42B5-8137-9DF3F51BA10A}">
+      <p15:sldGuideLst xmlns:p15="http://schemas.microsoft.com/office/powerpoint/2012/main"/>
+    </p:ext>
+  </p:extLst>
 </p:presentation>
 </file>
 
@@ -267,7 +275,7 @@
           <a:p>
             <a:fld id="{E27919A1-3E4A-4C8F-AE51-54D3D1AACA9C}" type="datetimeFigureOut">
               <a:rPr lang="en-US" smtClean="0"/>
-              <a:t>10/12/2023</a:t>
+              <a:t>10/17/2023</a:t>
             </a:fld>
             <a:endParaRPr lang="en-US"/>
           </a:p>
@@ -465,7 +473,7 @@
           <a:p>
             <a:fld id="{E27919A1-3E4A-4C8F-AE51-54D3D1AACA9C}" type="datetimeFigureOut">
               <a:rPr lang="en-US" smtClean="0"/>
-              <a:t>10/12/2023</a:t>
+              <a:t>10/17/2023</a:t>
             </a:fld>
             <a:endParaRPr lang="en-US"/>
           </a:p>
@@ -673,7 +681,7 @@
           <a:p>
             <a:fld id="{E27919A1-3E4A-4C8F-AE51-54D3D1AACA9C}" type="datetimeFigureOut">
               <a:rPr lang="en-US" smtClean="0"/>
-              <a:t>10/12/2023</a:t>
+              <a:t>10/17/2023</a:t>
             </a:fld>
             <a:endParaRPr lang="en-US"/>
           </a:p>
@@ -871,7 +879,7 @@
           <a:p>
             <a:fld id="{E27919A1-3E4A-4C8F-AE51-54D3D1AACA9C}" type="datetimeFigureOut">
               <a:rPr lang="en-US" smtClean="0"/>
-              <a:t>10/12/2023</a:t>
+              <a:t>10/17/2023</a:t>
             </a:fld>
             <a:endParaRPr lang="en-US"/>
           </a:p>
@@ -1146,7 +1154,7 @@
           <a:p>
             <a:fld id="{E27919A1-3E4A-4C8F-AE51-54D3D1AACA9C}" type="datetimeFigureOut">
               <a:rPr lang="en-US" smtClean="0"/>
-              <a:t>10/12/2023</a:t>
+              <a:t>10/17/2023</a:t>
             </a:fld>
             <a:endParaRPr lang="en-US"/>
           </a:p>
@@ -1411,7 +1419,7 @@
           <a:p>
             <a:fld id="{E27919A1-3E4A-4C8F-AE51-54D3D1AACA9C}" type="datetimeFigureOut">
               <a:rPr lang="en-US" smtClean="0"/>
-              <a:t>10/12/2023</a:t>
+              <a:t>10/17/2023</a:t>
             </a:fld>
             <a:endParaRPr lang="en-US"/>
           </a:p>
@@ -1823,7 +1831,7 @@
           <a:p>
             <a:fld id="{E27919A1-3E4A-4C8F-AE51-54D3D1AACA9C}" type="datetimeFigureOut">
               <a:rPr lang="en-US" smtClean="0"/>
-              <a:t>10/12/2023</a:t>
+              <a:t>10/17/2023</a:t>
             </a:fld>
             <a:endParaRPr lang="en-US"/>
           </a:p>
@@ -1964,7 +1972,7 @@
           <a:p>
             <a:fld id="{E27919A1-3E4A-4C8F-AE51-54D3D1AACA9C}" type="datetimeFigureOut">
               <a:rPr lang="en-US" smtClean="0"/>
-              <a:t>10/12/2023</a:t>
+              <a:t>10/17/2023</a:t>
             </a:fld>
             <a:endParaRPr lang="en-US"/>
           </a:p>
@@ -2077,7 +2085,7 @@
           <a:p>
             <a:fld id="{E27919A1-3E4A-4C8F-AE51-54D3D1AACA9C}" type="datetimeFigureOut">
               <a:rPr lang="en-US" smtClean="0"/>
-              <a:t>10/12/2023</a:t>
+              <a:t>10/17/2023</a:t>
             </a:fld>
             <a:endParaRPr lang="en-US"/>
           </a:p>
@@ -2388,7 +2396,7 @@
           <a:p>
             <a:fld id="{E27919A1-3E4A-4C8F-AE51-54D3D1AACA9C}" type="datetimeFigureOut">
               <a:rPr lang="en-US" smtClean="0"/>
-              <a:t>10/12/2023</a:t>
+              <a:t>10/17/2023</a:t>
             </a:fld>
             <a:endParaRPr lang="en-US"/>
           </a:p>
@@ -2676,7 +2684,7 @@
           <a:p>
             <a:fld id="{E27919A1-3E4A-4C8F-AE51-54D3D1AACA9C}" type="datetimeFigureOut">
               <a:rPr lang="en-US" smtClean="0"/>
-              <a:t>10/12/2023</a:t>
+              <a:t>10/17/2023</a:t>
             </a:fld>
             <a:endParaRPr lang="en-US"/>
           </a:p>
@@ -2917,7 +2925,7 @@
           <a:p>
             <a:fld id="{E27919A1-3E4A-4C8F-AE51-54D3D1AACA9C}" type="datetimeFigureOut">
               <a:rPr lang="en-US" smtClean="0"/>
-              <a:t>10/12/2023</a:t>
+              <a:t>10/17/2023</a:t>
             </a:fld>
             <a:endParaRPr lang="en-US"/>
           </a:p>
@@ -3929,6 +3937,404 @@
     <p:extLst>
       <p:ext uri="{BB962C8B-B14F-4D97-AF65-F5344CB8AC3E}">
         <p14:creationId xmlns:p14="http://schemas.microsoft.com/office/powerpoint/2010/main" val="201880897"/>
+      </p:ext>
+    </p:extLst>
+  </p:cSld>
+  <p:clrMapOvr>
+    <a:masterClrMapping/>
+  </p:clrMapOvr>
+</p:sld>
+</file>
+
+<file path=ppt/slides/slide15.xml><?xml version="1.0" encoding="utf-8"?>
+<p:sld xmlns:a="http://schemas.openxmlformats.org/drawingml/2006/main" xmlns:r="http://schemas.openxmlformats.org/officeDocument/2006/relationships" xmlns:p="http://schemas.openxmlformats.org/presentationml/2006/main">
+  <p:cSld>
+    <p:spTree>
+      <p:nvGrpSpPr>
+        <p:cNvPr id="1" name=""/>
+        <p:cNvGrpSpPr/>
+        <p:nvPr/>
+      </p:nvGrpSpPr>
+      <p:grpSpPr>
+        <a:xfrm>
+          <a:off x="0" y="0"/>
+          <a:ext cx="0" cy="0"/>
+          <a:chOff x="0" y="0"/>
+          <a:chExt cx="0" cy="0"/>
+        </a:xfrm>
+      </p:grpSpPr>
+      <p:sp>
+        <p:nvSpPr>
+          <p:cNvPr id="2" name="Title 1">
+            <a:extLst>
+              <a:ext uri="{FF2B5EF4-FFF2-40B4-BE49-F238E27FC236}">
+                <a16:creationId xmlns:a16="http://schemas.microsoft.com/office/drawing/2014/main" id="{3DFA0FC1-7217-00AD-C37D-5A2C8E527394}"/>
+              </a:ext>
+            </a:extLst>
+          </p:cNvPr>
+          <p:cNvSpPr>
+            <a:spLocks noGrp="1"/>
+          </p:cNvSpPr>
+          <p:nvPr>
+            <p:ph type="title"/>
+          </p:nvPr>
+        </p:nvSpPr>
+        <p:spPr/>
+        <p:txBody>
+          <a:bodyPr/>
+          <a:lstStyle/>
+          <a:p>
+            <a:r>
+              <a:rPr lang="en-US" dirty="0"/>
+              <a:t>Added Pots to stabilize outputs</a:t>
+            </a:r>
+          </a:p>
+        </p:txBody>
+      </p:sp>
+      <p:sp>
+        <p:nvSpPr>
+          <p:cNvPr id="3" name="Content Placeholder 2">
+            <a:extLst>
+              <a:ext uri="{FF2B5EF4-FFF2-40B4-BE49-F238E27FC236}">
+                <a16:creationId xmlns:a16="http://schemas.microsoft.com/office/drawing/2014/main" id="{830580DB-03CA-5F11-FA66-DA915054031A}"/>
+              </a:ext>
+            </a:extLst>
+          </p:cNvPr>
+          <p:cNvSpPr>
+            <a:spLocks noGrp="1"/>
+          </p:cNvSpPr>
+          <p:nvPr>
+            <p:ph idx="1"/>
+          </p:nvPr>
+        </p:nvSpPr>
+        <p:spPr/>
+        <p:txBody>
+          <a:bodyPr/>
+          <a:lstStyle/>
+          <a:p>
+            <a:r>
+              <a:rPr lang="en-US" dirty="0"/>
+              <a:t>Turns out ripple was high to due to low </a:t>
+            </a:r>
+            <a:r>
+              <a:rPr lang="en-US" dirty="0" err="1"/>
+              <a:t>capacitence</a:t>
+            </a:r>
+            <a:endParaRPr lang="en-US" dirty="0"/>
+          </a:p>
+        </p:txBody>
+      </p:sp>
+      <p:pic>
+        <p:nvPicPr>
+          <p:cNvPr id="1026" name="Picture 2">
+            <a:extLst>
+              <a:ext uri="{FF2B5EF4-FFF2-40B4-BE49-F238E27FC236}">
+                <a16:creationId xmlns:a16="http://schemas.microsoft.com/office/drawing/2014/main" id="{DEBDBFE1-E44C-0C6D-2C67-D6CBCEE03EEB}"/>
+              </a:ext>
+            </a:extLst>
+          </p:cNvPr>
+          <p:cNvPicPr>
+            <a:picLocks noChangeAspect="1" noChangeArrowheads="1"/>
+          </p:cNvPicPr>
+          <p:nvPr/>
+        </p:nvPicPr>
+        <p:blipFill>
+          <a:blip r:embed="rId2">
+            <a:extLst>
+              <a:ext uri="{28A0092B-C50C-407E-A947-70E740481C1C}">
+                <a14:useLocalDpi xmlns:a14="http://schemas.microsoft.com/office/drawing/2010/main" val="0"/>
+              </a:ext>
+            </a:extLst>
+          </a:blip>
+          <a:srcRect/>
+          <a:stretch>
+            <a:fillRect/>
+          </a:stretch>
+        </p:blipFill>
+        <p:spPr bwMode="auto">
+          <a:xfrm>
+            <a:off x="496364" y="2664595"/>
+            <a:ext cx="11039475" cy="3162300"/>
+          </a:xfrm>
+          <a:prstGeom prst="rect">
+            <a:avLst/>
+          </a:prstGeom>
+          <a:noFill/>
+          <a:extLst>
+            <a:ext uri="{909E8E84-426E-40DD-AFC4-6F175D3DCCD1}">
+              <a14:hiddenFill xmlns:a14="http://schemas.microsoft.com/office/drawing/2010/main">
+                <a:solidFill>
+                  <a:srgbClr val="FFFFFF"/>
+                </a:solidFill>
+              </a14:hiddenFill>
+            </a:ext>
+          </a:extLst>
+        </p:spPr>
+      </p:pic>
+    </p:spTree>
+    <p:extLst>
+      <p:ext uri="{BB962C8B-B14F-4D97-AF65-F5344CB8AC3E}">
+        <p14:creationId xmlns:p14="http://schemas.microsoft.com/office/powerpoint/2010/main" val="940023026"/>
+      </p:ext>
+    </p:extLst>
+  </p:cSld>
+  <p:clrMapOvr>
+    <a:masterClrMapping/>
+  </p:clrMapOvr>
+</p:sld>
+</file>
+
+<file path=ppt/slides/slide16.xml><?xml version="1.0" encoding="utf-8"?>
+<p:sld xmlns:a="http://schemas.openxmlformats.org/drawingml/2006/main" xmlns:r="http://schemas.openxmlformats.org/officeDocument/2006/relationships" xmlns:p="http://schemas.openxmlformats.org/presentationml/2006/main">
+  <p:cSld>
+    <p:spTree>
+      <p:nvGrpSpPr>
+        <p:cNvPr id="1" name=""/>
+        <p:cNvGrpSpPr/>
+        <p:nvPr/>
+      </p:nvGrpSpPr>
+      <p:grpSpPr>
+        <a:xfrm>
+          <a:off x="0" y="0"/>
+          <a:ext cx="0" cy="0"/>
+          <a:chOff x="0" y="0"/>
+          <a:chExt cx="0" cy="0"/>
+        </a:xfrm>
+      </p:grpSpPr>
+      <p:sp>
+        <p:nvSpPr>
+          <p:cNvPr id="2" name="Title 1">
+            <a:extLst>
+              <a:ext uri="{FF2B5EF4-FFF2-40B4-BE49-F238E27FC236}">
+                <a16:creationId xmlns:a16="http://schemas.microsoft.com/office/drawing/2014/main" id="{5BB14E16-EF43-BAF7-165E-D60E4E34F4F6}"/>
+              </a:ext>
+            </a:extLst>
+          </p:cNvPr>
+          <p:cNvSpPr>
+            <a:spLocks noGrp="1"/>
+          </p:cNvSpPr>
+          <p:nvPr>
+            <p:ph type="title"/>
+          </p:nvPr>
+        </p:nvSpPr>
+        <p:spPr/>
+        <p:txBody>
+          <a:bodyPr/>
+          <a:lstStyle/>
+          <a:p>
+            <a:r>
+              <a:rPr lang="en-US" dirty="0"/>
+              <a:t>68mF added on Output</a:t>
+            </a:r>
+          </a:p>
+        </p:txBody>
+      </p:sp>
+      <p:sp>
+        <p:nvSpPr>
+          <p:cNvPr id="3" name="Content Placeholder 2">
+            <a:extLst>
+              <a:ext uri="{FF2B5EF4-FFF2-40B4-BE49-F238E27FC236}">
+                <a16:creationId xmlns:a16="http://schemas.microsoft.com/office/drawing/2014/main" id="{49E78B8F-5BBE-53F6-9150-95C4346E76DC}"/>
+              </a:ext>
+            </a:extLst>
+          </p:cNvPr>
+          <p:cNvSpPr>
+            <a:spLocks noGrp="1"/>
+          </p:cNvSpPr>
+          <p:nvPr>
+            <p:ph idx="1"/>
+          </p:nvPr>
+        </p:nvSpPr>
+        <p:spPr/>
+        <p:txBody>
+          <a:bodyPr/>
+          <a:lstStyle/>
+          <a:p>
+            <a:endParaRPr lang="en-US"/>
+          </a:p>
+        </p:txBody>
+      </p:sp>
+      <p:pic>
+        <p:nvPicPr>
+          <p:cNvPr id="2050" name="Picture 2">
+            <a:extLst>
+              <a:ext uri="{FF2B5EF4-FFF2-40B4-BE49-F238E27FC236}">
+                <a16:creationId xmlns:a16="http://schemas.microsoft.com/office/drawing/2014/main" id="{86DC6181-1562-932A-8580-4660585EB3EE}"/>
+              </a:ext>
+            </a:extLst>
+          </p:cNvPr>
+          <p:cNvPicPr>
+            <a:picLocks noChangeAspect="1" noChangeArrowheads="1"/>
+          </p:cNvPicPr>
+          <p:nvPr/>
+        </p:nvPicPr>
+        <p:blipFill>
+          <a:blip r:embed="rId2">
+            <a:extLst>
+              <a:ext uri="{28A0092B-C50C-407E-A947-70E740481C1C}">
+                <a14:useLocalDpi xmlns:a14="http://schemas.microsoft.com/office/drawing/2010/main" val="0"/>
+              </a:ext>
+            </a:extLst>
+          </a:blip>
+          <a:srcRect/>
+          <a:stretch>
+            <a:fillRect/>
+          </a:stretch>
+        </p:blipFill>
+        <p:spPr bwMode="auto">
+          <a:xfrm>
+            <a:off x="0" y="1413045"/>
+            <a:ext cx="12192000" cy="4244975"/>
+          </a:xfrm>
+          <a:prstGeom prst="rect">
+            <a:avLst/>
+          </a:prstGeom>
+          <a:noFill/>
+          <a:extLst>
+            <a:ext uri="{909E8E84-426E-40DD-AFC4-6F175D3DCCD1}">
+              <a14:hiddenFill xmlns:a14="http://schemas.microsoft.com/office/drawing/2010/main">
+                <a:solidFill>
+                  <a:srgbClr val="FFFFFF"/>
+                </a:solidFill>
+              </a14:hiddenFill>
+            </a:ext>
+          </a:extLst>
+        </p:spPr>
+      </p:pic>
+    </p:spTree>
+    <p:extLst>
+      <p:ext uri="{BB962C8B-B14F-4D97-AF65-F5344CB8AC3E}">
+        <p14:creationId xmlns:p14="http://schemas.microsoft.com/office/powerpoint/2010/main" val="1753308088"/>
+      </p:ext>
+    </p:extLst>
+  </p:cSld>
+  <p:clrMapOvr>
+    <a:masterClrMapping/>
+  </p:clrMapOvr>
+</p:sld>
+</file>
+
+<file path=ppt/slides/slide17.xml><?xml version="1.0" encoding="utf-8"?>
+<p:sld xmlns:a="http://schemas.openxmlformats.org/drawingml/2006/main" xmlns:r="http://schemas.openxmlformats.org/officeDocument/2006/relationships" xmlns:p="http://schemas.openxmlformats.org/presentationml/2006/main">
+  <p:cSld>
+    <p:spTree>
+      <p:nvGrpSpPr>
+        <p:cNvPr id="1" name=""/>
+        <p:cNvGrpSpPr/>
+        <p:nvPr/>
+      </p:nvGrpSpPr>
+      <p:grpSpPr>
+        <a:xfrm>
+          <a:off x="0" y="0"/>
+          <a:ext cx="0" cy="0"/>
+          <a:chOff x="0" y="0"/>
+          <a:chExt cx="0" cy="0"/>
+        </a:xfrm>
+      </p:grpSpPr>
+      <p:sp>
+        <p:nvSpPr>
+          <p:cNvPr id="2" name="Title 1">
+            <a:extLst>
+              <a:ext uri="{FF2B5EF4-FFF2-40B4-BE49-F238E27FC236}">
+                <a16:creationId xmlns:a16="http://schemas.microsoft.com/office/drawing/2014/main" id="{90A59B97-5EAB-91F1-B177-E6FB2B6AD741}"/>
+              </a:ext>
+            </a:extLst>
+          </p:cNvPr>
+          <p:cNvSpPr>
+            <a:spLocks noGrp="1"/>
+          </p:cNvSpPr>
+          <p:nvPr>
+            <p:ph type="title"/>
+          </p:nvPr>
+        </p:nvSpPr>
+        <p:spPr/>
+        <p:txBody>
+          <a:bodyPr/>
+          <a:lstStyle/>
+          <a:p>
+            <a:r>
+              <a:rPr lang="en-US"/>
+              <a:t>Success </a:t>
+            </a:r>
+          </a:p>
+        </p:txBody>
+      </p:sp>
+      <p:sp>
+        <p:nvSpPr>
+          <p:cNvPr id="3" name="Content Placeholder 2">
+            <a:extLst>
+              <a:ext uri="{FF2B5EF4-FFF2-40B4-BE49-F238E27FC236}">
+                <a16:creationId xmlns:a16="http://schemas.microsoft.com/office/drawing/2014/main" id="{6C6D136E-9E52-3EC9-F53D-FE1B74E4D9DA}"/>
+              </a:ext>
+            </a:extLst>
+          </p:cNvPr>
+          <p:cNvSpPr>
+            <a:spLocks noGrp="1"/>
+          </p:cNvSpPr>
+          <p:nvPr>
+            <p:ph idx="1"/>
+          </p:nvPr>
+        </p:nvSpPr>
+        <p:spPr/>
+        <p:txBody>
+          <a:bodyPr/>
+          <a:lstStyle/>
+          <a:p>
+            <a:endParaRPr lang="en-US"/>
+          </a:p>
+        </p:txBody>
+      </p:sp>
+      <p:pic>
+        <p:nvPicPr>
+          <p:cNvPr id="3074" name="Picture 2">
+            <a:extLst>
+              <a:ext uri="{FF2B5EF4-FFF2-40B4-BE49-F238E27FC236}">
+                <a16:creationId xmlns:a16="http://schemas.microsoft.com/office/drawing/2014/main" id="{3D361AA9-6FD3-3E83-C0F0-440087DE21C2}"/>
+              </a:ext>
+            </a:extLst>
+          </p:cNvPr>
+          <p:cNvPicPr>
+            <a:picLocks noChangeAspect="1" noChangeArrowheads="1"/>
+          </p:cNvPicPr>
+          <p:nvPr/>
+        </p:nvPicPr>
+        <p:blipFill>
+          <a:blip r:embed="rId2">
+            <a:extLst>
+              <a:ext uri="{28A0092B-C50C-407E-A947-70E740481C1C}">
+                <a14:useLocalDpi xmlns:a14="http://schemas.microsoft.com/office/drawing/2010/main" val="0"/>
+              </a:ext>
+            </a:extLst>
+          </a:blip>
+          <a:srcRect/>
+          <a:stretch>
+            <a:fillRect/>
+          </a:stretch>
+        </p:blipFill>
+        <p:spPr bwMode="auto">
+          <a:xfrm>
+            <a:off x="0" y="2058988"/>
+            <a:ext cx="12192000" cy="2740025"/>
+          </a:xfrm>
+          <a:prstGeom prst="rect">
+            <a:avLst/>
+          </a:prstGeom>
+          <a:noFill/>
+          <a:extLst>
+            <a:ext uri="{909E8E84-426E-40DD-AFC4-6F175D3DCCD1}">
+              <a14:hiddenFill xmlns:a14="http://schemas.microsoft.com/office/drawing/2010/main">
+                <a:solidFill>
+                  <a:srgbClr val="FFFFFF"/>
+                </a:solidFill>
+              </a14:hiddenFill>
+            </a:ext>
+          </a:extLst>
+        </p:spPr>
+      </p:pic>
+    </p:spTree>
+    <p:extLst>
+      <p:ext uri="{BB962C8B-B14F-4D97-AF65-F5344CB8AC3E}">
+        <p14:creationId xmlns:p14="http://schemas.microsoft.com/office/powerpoint/2010/main" val="619752783"/>
       </p:ext>
     </p:extLst>
   </p:cSld>
